--- a/Crime and Weather Comparison.pptx
+++ b/Crime and Weather Comparison.pptx
@@ -11,6 +11,8 @@
     <p:sldId id="260" r:id="rId5"/>
     <p:sldId id="259" r:id="rId6"/>
     <p:sldId id="261" r:id="rId7"/>
+    <p:sldId id="262" r:id="rId8"/>
+    <p:sldId id="263" r:id="rId9"/>
   </p:sldIdLst>
   <p:sldSz cx="12192000" cy="6858000"/>
   <p:notesSz cx="6858000" cy="9144000"/>
@@ -109,6 +111,11 @@
       </a:defRPr>
     </a:lvl9pPr>
   </p:defaultTextStyle>
+  <p:extLst>
+    <p:ext uri="{EFAFB233-063F-42B5-8137-9DF3F51BA10A}">
+      <p15:sldGuideLst xmlns:p15="http://schemas.microsoft.com/office/powerpoint/2012/main"/>
+    </p:ext>
+  </p:extLst>
 </p:presentation>
 </file>
 
@@ -614,7 +621,7 @@
           <a:p>
             <a:fld id="{20B536EC-7EE9-49BF-BD27-3B52F04FDA36}" type="datetimeFigureOut">
               <a:rPr lang="en-US" smtClean="0"/>
-              <a:t>5/4/2021</a:t>
+              <a:t>5/6/2021</a:t>
             </a:fld>
             <a:endParaRPr lang="en-US"/>
           </a:p>
@@ -910,7 +917,7 @@
           <a:p>
             <a:fld id="{20B536EC-7EE9-49BF-BD27-3B52F04FDA36}" type="datetimeFigureOut">
               <a:rPr lang="en-US" smtClean="0"/>
-              <a:t>5/4/2021</a:t>
+              <a:t>5/6/2021</a:t>
             </a:fld>
             <a:endParaRPr lang="en-US"/>
           </a:p>
@@ -1158,7 +1165,7 @@
           <a:p>
             <a:fld id="{20B536EC-7EE9-49BF-BD27-3B52F04FDA36}" type="datetimeFigureOut">
               <a:rPr lang="en-US" smtClean="0"/>
-              <a:t>5/4/2021</a:t>
+              <a:t>5/6/2021</a:t>
             </a:fld>
             <a:endParaRPr lang="en-US"/>
           </a:p>
@@ -1698,7 +1705,7 @@
           <a:p>
             <a:fld id="{20B536EC-7EE9-49BF-BD27-3B52F04FDA36}" type="datetimeFigureOut">
               <a:rPr lang="en-US" smtClean="0"/>
-              <a:t>5/4/2021</a:t>
+              <a:t>5/6/2021</a:t>
             </a:fld>
             <a:endParaRPr lang="en-US"/>
           </a:p>
@@ -1946,7 +1953,7 @@
           <a:p>
             <a:fld id="{20B536EC-7EE9-49BF-BD27-3B52F04FDA36}" type="datetimeFigureOut">
               <a:rPr lang="en-US" smtClean="0"/>
-              <a:t>5/4/2021</a:t>
+              <a:t>5/6/2021</a:t>
             </a:fld>
             <a:endParaRPr lang="en-US"/>
           </a:p>
@@ -2478,7 +2485,7 @@
           <a:p>
             <a:fld id="{20B536EC-7EE9-49BF-BD27-3B52F04FDA36}" type="datetimeFigureOut">
               <a:rPr lang="en-US" smtClean="0"/>
-              <a:t>5/4/2021</a:t>
+              <a:t>5/6/2021</a:t>
             </a:fld>
             <a:endParaRPr lang="en-US"/>
           </a:p>
@@ -2775,7 +2782,7 @@
           <a:p>
             <a:fld id="{20B536EC-7EE9-49BF-BD27-3B52F04FDA36}" type="datetimeFigureOut">
               <a:rPr lang="en-US" smtClean="0"/>
-              <a:t>5/4/2021</a:t>
+              <a:t>5/6/2021</a:t>
             </a:fld>
             <a:endParaRPr lang="en-US"/>
           </a:p>
@@ -2949,7 +2956,7 @@
           <a:p>
             <a:fld id="{20B536EC-7EE9-49BF-BD27-3B52F04FDA36}" type="datetimeFigureOut">
               <a:rPr lang="en-US" smtClean="0"/>
-              <a:t>5/4/2021</a:t>
+              <a:t>5/6/2021</a:t>
             </a:fld>
             <a:endParaRPr lang="en-US"/>
           </a:p>
@@ -3129,7 +3136,7 @@
           <a:p>
             <a:fld id="{20B536EC-7EE9-49BF-BD27-3B52F04FDA36}" type="datetimeFigureOut">
               <a:rPr lang="en-US" smtClean="0"/>
-              <a:t>5/4/2021</a:t>
+              <a:t>5/6/2021</a:t>
             </a:fld>
             <a:endParaRPr lang="en-US"/>
           </a:p>
@@ -3299,7 +3306,7 @@
           <a:p>
             <a:fld id="{20B536EC-7EE9-49BF-BD27-3B52F04FDA36}" type="datetimeFigureOut">
               <a:rPr lang="en-US" smtClean="0"/>
-              <a:t>5/4/2021</a:t>
+              <a:t>5/6/2021</a:t>
             </a:fld>
             <a:endParaRPr lang="en-US"/>
           </a:p>
@@ -3550,7 +3557,7 @@
           <a:p>
             <a:fld id="{20B536EC-7EE9-49BF-BD27-3B52F04FDA36}" type="datetimeFigureOut">
               <a:rPr lang="en-US" smtClean="0"/>
-              <a:t>5/4/2021</a:t>
+              <a:t>5/6/2021</a:t>
             </a:fld>
             <a:endParaRPr lang="en-US"/>
           </a:p>
@@ -3847,7 +3854,7 @@
           <a:p>
             <a:fld id="{20B536EC-7EE9-49BF-BD27-3B52F04FDA36}" type="datetimeFigureOut">
               <a:rPr lang="en-US" smtClean="0"/>
-              <a:t>5/4/2021</a:t>
+              <a:t>5/6/2021</a:t>
             </a:fld>
             <a:endParaRPr lang="en-US"/>
           </a:p>
@@ -4289,7 +4296,7 @@
           <a:p>
             <a:fld id="{20B536EC-7EE9-49BF-BD27-3B52F04FDA36}" type="datetimeFigureOut">
               <a:rPr lang="en-US" smtClean="0"/>
-              <a:t>5/4/2021</a:t>
+              <a:t>5/6/2021</a:t>
             </a:fld>
             <a:endParaRPr lang="en-US"/>
           </a:p>
@@ -4407,7 +4414,7 @@
           <a:p>
             <a:fld id="{20B536EC-7EE9-49BF-BD27-3B52F04FDA36}" type="datetimeFigureOut">
               <a:rPr lang="en-US" smtClean="0"/>
-              <a:t>5/4/2021</a:t>
+              <a:t>5/6/2021</a:t>
             </a:fld>
             <a:endParaRPr lang="en-US"/>
           </a:p>
@@ -4502,7 +4509,7 @@
           <a:p>
             <a:fld id="{20B536EC-7EE9-49BF-BD27-3B52F04FDA36}" type="datetimeFigureOut">
               <a:rPr lang="en-US" smtClean="0"/>
-              <a:t>5/4/2021</a:t>
+              <a:t>5/6/2021</a:t>
             </a:fld>
             <a:endParaRPr lang="en-US"/>
           </a:p>
@@ -4785,7 +4792,7 @@
           <a:p>
             <a:fld id="{20B536EC-7EE9-49BF-BD27-3B52F04FDA36}" type="datetimeFigureOut">
               <a:rPr lang="en-US" smtClean="0"/>
-              <a:t>5/4/2021</a:t>
+              <a:t>5/6/2021</a:t>
             </a:fld>
             <a:endParaRPr lang="en-US"/>
           </a:p>
@@ -5076,7 +5083,7 @@
           <a:p>
             <a:fld id="{20B536EC-7EE9-49BF-BD27-3B52F04FDA36}" type="datetimeFigureOut">
               <a:rPr lang="en-US" smtClean="0"/>
-              <a:t>5/4/2021</a:t>
+              <a:t>5/6/2021</a:t>
             </a:fld>
             <a:endParaRPr lang="en-US"/>
           </a:p>
@@ -5606,7 +5613,7 @@
           <a:p>
             <a:fld id="{20B536EC-7EE9-49BF-BD27-3B52F04FDA36}" type="datetimeFigureOut">
               <a:rPr lang="en-US" smtClean="0"/>
-              <a:t>5/4/2021</a:t>
+              <a:t>5/6/2021</a:t>
             </a:fld>
             <a:endParaRPr lang="en-US"/>
           </a:p>
@@ -7190,8 +7197,19 @@
           <a:p>
             <a:r>
               <a:rPr lang="en-US" dirty="0"/>
-              <a:t>Data Clean-up and Analysis</a:t>
-            </a:r>
+              <a:t>Data Clean-up and Analysis for </a:t>
+            </a:r>
+            <a:r>
+              <a:rPr lang="en-US" b="0" i="0" dirty="0">
+                <a:solidFill>
+                  <a:srgbClr val="000000"/>
+                </a:solidFill>
+                <a:effectLst/>
+                <a:latin typeface="Helvetica Neue"/>
+              </a:rPr>
+              <a:t>Temperature vs Violent Crime</a:t>
+            </a:r>
+            <a:endParaRPr lang="en-US" dirty="0"/>
           </a:p>
         </p:txBody>
       </p:sp>
@@ -7309,112 +7327,235 @@
             <p:ph type="title"/>
           </p:nvPr>
         </p:nvSpPr>
-        <p:spPr/>
-        <p:txBody>
-          <a:bodyPr/>
+        <p:spPr>
+          <a:xfrm>
+            <a:off x="1173919" y="685800"/>
+            <a:ext cx="10018713" cy="1752599"/>
+          </a:xfrm>
+        </p:spPr>
+        <p:txBody>
+          <a:bodyPr>
+            <a:normAutofit fontScale="90000"/>
+          </a:bodyPr>
           <a:lstStyle/>
           <a:p>
-            <a:endParaRPr lang="en-US"/>
-          </a:p>
-        </p:txBody>
-      </p:sp>
-      <p:sp>
-        <p:nvSpPr>
-          <p:cNvPr id="3" name="Text Placeholder 2">
+            <a:r>
+              <a:rPr lang="en-US" dirty="0"/>
+              <a:t>Temperature vs Assault</a:t>
+            </a:r>
+            <a:br>
+              <a:rPr lang="en-US" dirty="0"/>
+            </a:br>
+            <a:r>
+              <a:rPr lang="en-US" altLang="en-US" dirty="0">
+                <a:ln>
+                  <a:noFill/>
+                </a:ln>
+                <a:solidFill>
+                  <a:srgbClr val="000000"/>
+                </a:solidFill>
+                <a:ea typeface="Courier New" panose="02070309020205020404" pitchFamily="49" charset="0"/>
+              </a:rPr>
+              <a:t>The </a:t>
+            </a:r>
+            <a:r>
+              <a:rPr lang="en-US" altLang="en-US" dirty="0" err="1">
+                <a:ln>
+                  <a:noFill/>
+                </a:ln>
+                <a:solidFill>
+                  <a:srgbClr val="000000"/>
+                </a:solidFill>
+                <a:ea typeface="Courier New" panose="02070309020205020404" pitchFamily="49" charset="0"/>
+              </a:rPr>
+              <a:t>r-value</a:t>
+            </a:r>
+            <a:r>
+              <a:rPr lang="en-US" altLang="en-US" dirty="0">
+                <a:ln>
+                  <a:noFill/>
+                </a:ln>
+                <a:solidFill>
+                  <a:srgbClr val="000000"/>
+                </a:solidFill>
+                <a:ea typeface="Courier New" panose="02070309020205020404" pitchFamily="49" charset="0"/>
+              </a:rPr>
+              <a:t> is: 0.48314455698691894</a:t>
+            </a:r>
+            <a:r>
+              <a:rPr lang="en-US" altLang="en-US" sz="3200" dirty="0">
+                <a:ln>
+                  <a:noFill/>
+                </a:ln>
+              </a:rPr>
+              <a:t> </a:t>
+            </a:r>
+            <a:br>
+              <a:rPr lang="en-US" altLang="en-US" sz="7200" dirty="0">
+                <a:ln>
+                  <a:noFill/>
+                </a:ln>
+              </a:rPr>
+            </a:br>
+            <a:endParaRPr lang="en-US" dirty="0"/>
+          </a:p>
+        </p:txBody>
+      </p:sp>
+      <p:pic>
+        <p:nvPicPr>
+          <p:cNvPr id="8" name="Content Placeholder 7" descr="Chart, line chart&#10;&#10;Description automatically generated">
             <a:extLst>
               <a:ext uri="{FF2B5EF4-FFF2-40B4-BE49-F238E27FC236}">
-                <a16:creationId xmlns:a16="http://schemas.microsoft.com/office/drawing/2014/main" id="{2450366F-6715-4EFC-A4CB-AB8E11C8CF57}"/>
+                <a16:creationId xmlns:a16="http://schemas.microsoft.com/office/drawing/2014/main" id="{2417567E-36D4-4C44-A2BC-9B72F6069E6C}"/>
               </a:ext>
             </a:extLst>
           </p:cNvPr>
-          <p:cNvSpPr>
-            <a:spLocks noGrp="1"/>
-          </p:cNvSpPr>
-          <p:nvPr>
-            <p:ph type="body" idx="1"/>
-          </p:nvPr>
-        </p:nvSpPr>
-        <p:spPr/>
-        <p:txBody>
-          <a:bodyPr/>
-          <a:lstStyle/>
-          <a:p>
-            <a:endParaRPr lang="en-US"/>
-          </a:p>
-        </p:txBody>
-      </p:sp>
-      <p:sp>
-        <p:nvSpPr>
-          <p:cNvPr id="4" name="Content Placeholder 3">
+          <p:cNvPicPr>
+            <a:picLocks noGrp="1" noChangeAspect="1"/>
+          </p:cNvPicPr>
+          <p:nvPr>
+            <p:ph sz="half" idx="2"/>
+          </p:nvPr>
+        </p:nvPicPr>
+        <p:blipFill>
+          <a:blip r:embed="rId2">
+            <a:extLst>
+              <a:ext uri="{28A0092B-C50C-407E-A947-70E740481C1C}">
+                <a14:useLocalDpi xmlns:a14="http://schemas.microsoft.com/office/drawing/2010/main" val="0"/>
+              </a:ext>
+            </a:extLst>
+          </a:blip>
+          <a:stretch>
+            <a:fillRect/>
+          </a:stretch>
+        </p:blipFill>
+        <p:spPr>
+          <a:xfrm>
+            <a:off x="174406" y="2105026"/>
+            <a:ext cx="8285187" cy="4142592"/>
+          </a:xfrm>
+        </p:spPr>
+      </p:pic>
+      <p:pic>
+        <p:nvPicPr>
+          <p:cNvPr id="10" name="Content Placeholder 9" descr="Chart, scatter chart&#10;&#10;Description automatically generated">
             <a:extLst>
               <a:ext uri="{FF2B5EF4-FFF2-40B4-BE49-F238E27FC236}">
-                <a16:creationId xmlns:a16="http://schemas.microsoft.com/office/drawing/2014/main" id="{37D03FAD-9EB9-4FDD-9060-81E1A99F15DF}"/>
+                <a16:creationId xmlns:a16="http://schemas.microsoft.com/office/drawing/2014/main" id="{09C1AFA6-92AB-4B69-8CAD-4A15DBD9C30E}"/>
               </a:ext>
             </a:extLst>
           </p:cNvPr>
-          <p:cNvSpPr>
-            <a:spLocks noGrp="1"/>
-          </p:cNvSpPr>
-          <p:nvPr>
-            <p:ph sz="half" idx="2"/>
-          </p:nvPr>
-        </p:nvSpPr>
-        <p:spPr/>
-        <p:txBody>
-          <a:bodyPr/>
-          <a:lstStyle/>
-          <a:p>
-            <a:endParaRPr lang="en-US"/>
-          </a:p>
-        </p:txBody>
-      </p:sp>
-      <p:sp>
-        <p:nvSpPr>
-          <p:cNvPr id="5" name="Text Placeholder 4">
+          <p:cNvPicPr>
+            <a:picLocks noGrp="1" noChangeAspect="1"/>
+          </p:cNvPicPr>
+          <p:nvPr>
+            <p:ph sz="quarter" idx="4"/>
+          </p:nvPr>
+        </p:nvPicPr>
+        <p:blipFill>
+          <a:blip r:embed="rId3">
+            <a:extLst>
+              <a:ext uri="{28A0092B-C50C-407E-A947-70E740481C1C}">
+                <a14:useLocalDpi xmlns:a14="http://schemas.microsoft.com/office/drawing/2010/main" val="0"/>
+              </a:ext>
+            </a:extLst>
+          </a:blip>
+          <a:stretch>
+            <a:fillRect/>
+          </a:stretch>
+        </p:blipFill>
+        <p:spPr>
+          <a:xfrm>
+            <a:off x="7704583" y="2948391"/>
+            <a:ext cx="4409120" cy="2939414"/>
+          </a:xfrm>
+        </p:spPr>
+      </p:pic>
+      <p:sp>
+        <p:nvSpPr>
+          <p:cNvPr id="16" name="Rectangle 6">
             <a:extLst>
               <a:ext uri="{FF2B5EF4-FFF2-40B4-BE49-F238E27FC236}">
-                <a16:creationId xmlns:a16="http://schemas.microsoft.com/office/drawing/2014/main" id="{46D94FD9-CAE5-40DC-9055-06A6B425F643}"/>
+                <a16:creationId xmlns:a16="http://schemas.microsoft.com/office/drawing/2014/main" id="{EA7DF94A-003C-4FA6-B07A-9353859590B0}"/>
               </a:ext>
             </a:extLst>
           </p:cNvPr>
           <p:cNvSpPr>
-            <a:spLocks noGrp="1"/>
-          </p:cNvSpPr>
-          <p:nvPr>
-            <p:ph type="body" sz="quarter" idx="3"/>
-          </p:nvPr>
-        </p:nvSpPr>
-        <p:spPr/>
-        <p:txBody>
-          <a:bodyPr/>
+            <a:spLocks noChangeArrowheads="1"/>
+          </p:cNvSpPr>
+          <p:nvPr/>
+        </p:nvSpPr>
+        <p:spPr bwMode="auto">
+          <a:xfrm>
+            <a:off x="318783" y="1737927"/>
+            <a:ext cx="65" cy="276999"/>
+          </a:xfrm>
+          <a:prstGeom prst="rect">
+            <a:avLst/>
+          </a:prstGeom>
+          <a:solidFill>
+            <a:srgbClr val="FFFFFF"/>
+          </a:solidFill>
+          <a:ln>
+            <a:noFill/>
+          </a:ln>
+          <a:effectLst/>
+          <a:extLst>
+            <a:ext uri="{91240B29-F687-4F45-9708-019B960494DF}">
+              <a14:hiddenLine xmlns:a14="http://schemas.microsoft.com/office/drawing/2010/main" w="9525">
+                <a:solidFill>
+                  <a:schemeClr val="tx1"/>
+                </a:solidFill>
+                <a:miter lim="800000"/>
+                <a:headEnd/>
+                <a:tailEnd/>
+              </a14:hiddenLine>
+            </a:ext>
+            <a:ext uri="{AF507438-7753-43E0-B8FC-AC1667EBCBE1}">
+              <a14:hiddenEffects xmlns:a14="http://schemas.microsoft.com/office/drawing/2010/main">
+                <a:effectLst>
+                  <a:outerShdw dist="35921" dir="2700000" algn="ctr" rotWithShape="0">
+                    <a:schemeClr val="bg2"/>
+                  </a:outerShdw>
+                </a:effectLst>
+              </a14:hiddenEffects>
+            </a:ext>
+          </a:extLst>
+        </p:spPr>
+        <p:txBody>
+          <a:bodyPr vert="horz" wrap="none" lIns="0" tIns="0" rIns="0" bIns="0" numCol="1" anchor="ctr" anchorCtr="0" compatLnSpc="1">
+            <a:prstTxWarp prst="textNoShape">
+              <a:avLst/>
+            </a:prstTxWarp>
+            <a:spAutoFit/>
+          </a:bodyPr>
           <a:lstStyle/>
           <a:p>
-            <a:endParaRPr lang="en-US"/>
-          </a:p>
-        </p:txBody>
-      </p:sp>
-      <p:sp>
-        <p:nvSpPr>
-          <p:cNvPr id="6" name="Content Placeholder 5">
-            <a:extLst>
-              <a:ext uri="{FF2B5EF4-FFF2-40B4-BE49-F238E27FC236}">
-                <a16:creationId xmlns:a16="http://schemas.microsoft.com/office/drawing/2014/main" id="{CCCB0CEF-E538-4BA8-A392-867F845E272F}"/>
-              </a:ext>
-            </a:extLst>
-          </p:cNvPr>
-          <p:cNvSpPr>
-            <a:spLocks noGrp="1"/>
-          </p:cNvSpPr>
-          <p:nvPr>
-            <p:ph sz="quarter" idx="4"/>
-          </p:nvPr>
-        </p:nvSpPr>
-        <p:spPr/>
-        <p:txBody>
-          <a:bodyPr/>
-          <a:lstStyle/>
-          <a:p>
-            <a:endParaRPr lang="en-US"/>
+            <a:pPr marL="0" marR="0" lvl="0" indent="0" algn="l" defTabSz="914400" rtl="0" eaLnBrk="0" fontAlgn="base" latinLnBrk="0" hangingPunct="0">
+              <a:lnSpc>
+                <a:spcPct val="100000"/>
+              </a:lnSpc>
+              <a:spcBef>
+                <a:spcPct val="0"/>
+              </a:spcBef>
+              <a:spcAft>
+                <a:spcPct val="0"/>
+              </a:spcAft>
+              <a:buClrTx/>
+              <a:buSzTx/>
+              <a:buFontTx/>
+              <a:buNone/>
+              <a:tabLst/>
+            </a:pPr>
+            <a:endParaRPr kumimoji="0" lang="en-US" altLang="en-US" sz="1800" b="0" i="0" u="none" strike="noStrike" cap="none" normalizeH="0" baseline="0" dirty="0">
+              <a:ln>
+                <a:noFill/>
+              </a:ln>
+              <a:solidFill>
+                <a:schemeClr val="tx1"/>
+              </a:solidFill>
+              <a:effectLst/>
+            </a:endParaRPr>
           </a:p>
         </p:txBody>
       </p:sp>
@@ -7453,7 +7594,7 @@
           <p:cNvPr id="2" name="Title 1">
             <a:extLst>
               <a:ext uri="{FF2B5EF4-FFF2-40B4-BE49-F238E27FC236}">
-                <a16:creationId xmlns:a16="http://schemas.microsoft.com/office/drawing/2014/main" id="{1A609ADA-05AF-409E-B0A1-CA456FD88E10}"/>
+                <a16:creationId xmlns:a16="http://schemas.microsoft.com/office/drawing/2014/main" id="{185C69DF-2536-4810-844A-10F451B5221B}"/>
               </a:ext>
             </a:extLst>
           </p:cNvPr>
@@ -7464,69 +7605,768 @@
             <p:ph type="title"/>
           </p:nvPr>
         </p:nvSpPr>
-        <p:spPr/>
-        <p:txBody>
-          <a:bodyPr/>
+        <p:spPr>
+          <a:xfrm>
+            <a:off x="1173919" y="685800"/>
+            <a:ext cx="10018713" cy="1752599"/>
+          </a:xfrm>
+        </p:spPr>
+        <p:txBody>
+          <a:bodyPr>
+            <a:normAutofit fontScale="90000"/>
+          </a:bodyPr>
           <a:lstStyle/>
           <a:p>
-            <a:endParaRPr lang="en-US"/>
-          </a:p>
-        </p:txBody>
-      </p:sp>
-      <p:sp>
-        <p:nvSpPr>
-          <p:cNvPr id="3" name="Content Placeholder 2">
+            <a:r>
+              <a:rPr lang="en-US" dirty="0"/>
+              <a:t>Temperature vs Homicide</a:t>
+            </a:r>
+            <a:br>
+              <a:rPr lang="en-US" dirty="0"/>
+            </a:br>
+            <a:r>
+              <a:rPr lang="en-US" altLang="en-US" dirty="0">
+                <a:ln>
+                  <a:noFill/>
+                </a:ln>
+                <a:solidFill>
+                  <a:srgbClr val="000000"/>
+                </a:solidFill>
+                <a:ea typeface="Courier New" panose="02070309020205020404" pitchFamily="49" charset="0"/>
+              </a:rPr>
+              <a:t>The </a:t>
+            </a:r>
+            <a:r>
+              <a:rPr lang="en-US" altLang="en-US" dirty="0" err="1">
+                <a:ln>
+                  <a:noFill/>
+                </a:ln>
+                <a:solidFill>
+                  <a:srgbClr val="000000"/>
+                </a:solidFill>
+                <a:ea typeface="Courier New" panose="02070309020205020404" pitchFamily="49" charset="0"/>
+              </a:rPr>
+              <a:t>r-value</a:t>
+            </a:r>
+            <a:r>
+              <a:rPr lang="en-US" altLang="en-US" dirty="0">
+                <a:ln>
+                  <a:noFill/>
+                </a:ln>
+                <a:solidFill>
+                  <a:srgbClr val="000000"/>
+                </a:solidFill>
+                <a:ea typeface="Courier New" panose="02070309020205020404" pitchFamily="49" charset="0"/>
+              </a:rPr>
+              <a:t> is: 0.18790837713090577</a:t>
+            </a:r>
+            <a:br>
+              <a:rPr lang="en-US" altLang="en-US" sz="7200" dirty="0">
+                <a:ln>
+                  <a:noFill/>
+                </a:ln>
+              </a:rPr>
+            </a:br>
+            <a:endParaRPr lang="en-US" dirty="0"/>
+          </a:p>
+        </p:txBody>
+      </p:sp>
+      <p:pic>
+        <p:nvPicPr>
+          <p:cNvPr id="8" name="Content Placeholder 7">
             <a:extLst>
               <a:ext uri="{FF2B5EF4-FFF2-40B4-BE49-F238E27FC236}">
-                <a16:creationId xmlns:a16="http://schemas.microsoft.com/office/drawing/2014/main" id="{E3260B01-7EDB-42E2-9F71-590DFEB0BFD9}"/>
+                <a16:creationId xmlns:a16="http://schemas.microsoft.com/office/drawing/2014/main" id="{2417567E-36D4-4C44-A2BC-9B72F6069E6C}"/>
               </a:ext>
             </a:extLst>
           </p:cNvPr>
-          <p:cNvSpPr>
-            <a:spLocks noGrp="1"/>
-          </p:cNvSpPr>
-          <p:nvPr>
-            <p:ph sz="half" idx="1"/>
-          </p:nvPr>
-        </p:nvSpPr>
-        <p:spPr/>
-        <p:txBody>
-          <a:bodyPr/>
-          <a:lstStyle/>
-          <a:p>
-            <a:endParaRPr lang="en-US"/>
-          </a:p>
-        </p:txBody>
-      </p:sp>
-      <p:sp>
-        <p:nvSpPr>
-          <p:cNvPr id="4" name="Content Placeholder 3">
+          <p:cNvPicPr>
+            <a:picLocks noGrp="1" noChangeAspect="1"/>
+          </p:cNvPicPr>
+          <p:nvPr>
+            <p:ph sz="half" idx="2"/>
+          </p:nvPr>
+        </p:nvPicPr>
+        <p:blipFill>
+          <a:blip r:embed="rId2">
+            <a:extLst>
+              <a:ext uri="{28A0092B-C50C-407E-A947-70E740481C1C}">
+                <a14:useLocalDpi xmlns:a14="http://schemas.microsoft.com/office/drawing/2010/main" val="0"/>
+              </a:ext>
+            </a:extLst>
+          </a:blip>
+          <a:srcRect/>
+          <a:stretch/>
+        </p:blipFill>
+        <p:spPr>
+          <a:xfrm>
+            <a:off x="174407" y="2105026"/>
+            <a:ext cx="8285184" cy="4142592"/>
+          </a:xfrm>
+        </p:spPr>
+      </p:pic>
+      <p:pic>
+        <p:nvPicPr>
+          <p:cNvPr id="10" name="Content Placeholder 9">
             <a:extLst>
               <a:ext uri="{FF2B5EF4-FFF2-40B4-BE49-F238E27FC236}">
-                <a16:creationId xmlns:a16="http://schemas.microsoft.com/office/drawing/2014/main" id="{BD272CAF-5746-4F99-8B2F-86F0BF3FDE21}"/>
+                <a16:creationId xmlns:a16="http://schemas.microsoft.com/office/drawing/2014/main" id="{09C1AFA6-92AB-4B69-8CAD-4A15DBD9C30E}"/>
               </a:ext>
             </a:extLst>
           </p:cNvPr>
-          <p:cNvSpPr>
-            <a:spLocks noGrp="1"/>
-          </p:cNvSpPr>
-          <p:nvPr>
-            <p:ph sz="half" idx="2"/>
-          </p:nvPr>
-        </p:nvSpPr>
-        <p:spPr/>
-        <p:txBody>
-          <a:bodyPr/>
+          <p:cNvPicPr>
+            <a:picLocks noGrp="1" noChangeAspect="1"/>
+          </p:cNvPicPr>
+          <p:nvPr>
+            <p:ph sz="quarter" idx="4"/>
+          </p:nvPr>
+        </p:nvPicPr>
+        <p:blipFill>
+          <a:blip r:embed="rId3">
+            <a:extLst>
+              <a:ext uri="{28A0092B-C50C-407E-A947-70E740481C1C}">
+                <a14:useLocalDpi xmlns:a14="http://schemas.microsoft.com/office/drawing/2010/main" val="0"/>
+              </a:ext>
+            </a:extLst>
+          </a:blip>
+          <a:srcRect/>
+          <a:stretch/>
+        </p:blipFill>
+        <p:spPr>
+          <a:xfrm>
+            <a:off x="7704583" y="2948391"/>
+            <a:ext cx="4409120" cy="2939413"/>
+          </a:xfrm>
+        </p:spPr>
+      </p:pic>
+      <p:sp>
+        <p:nvSpPr>
+          <p:cNvPr id="16" name="Rectangle 6">
+            <a:extLst>
+              <a:ext uri="{FF2B5EF4-FFF2-40B4-BE49-F238E27FC236}">
+                <a16:creationId xmlns:a16="http://schemas.microsoft.com/office/drawing/2014/main" id="{EA7DF94A-003C-4FA6-B07A-9353859590B0}"/>
+              </a:ext>
+            </a:extLst>
+          </p:cNvPr>
+          <p:cNvSpPr>
+            <a:spLocks noChangeArrowheads="1"/>
+          </p:cNvSpPr>
+          <p:nvPr/>
+        </p:nvSpPr>
+        <p:spPr bwMode="auto">
+          <a:xfrm>
+            <a:off x="318783" y="1737927"/>
+            <a:ext cx="65" cy="276999"/>
+          </a:xfrm>
+          <a:prstGeom prst="rect">
+            <a:avLst/>
+          </a:prstGeom>
+          <a:solidFill>
+            <a:srgbClr val="FFFFFF"/>
+          </a:solidFill>
+          <a:ln>
+            <a:noFill/>
+          </a:ln>
+          <a:effectLst/>
+          <a:extLst>
+            <a:ext uri="{91240B29-F687-4F45-9708-019B960494DF}">
+              <a14:hiddenLine xmlns:a14="http://schemas.microsoft.com/office/drawing/2010/main" w="9525">
+                <a:solidFill>
+                  <a:schemeClr val="tx1"/>
+                </a:solidFill>
+                <a:miter lim="800000"/>
+                <a:headEnd/>
+                <a:tailEnd/>
+              </a14:hiddenLine>
+            </a:ext>
+            <a:ext uri="{AF507438-7753-43E0-B8FC-AC1667EBCBE1}">
+              <a14:hiddenEffects xmlns:a14="http://schemas.microsoft.com/office/drawing/2010/main">
+                <a:effectLst>
+                  <a:outerShdw dist="35921" dir="2700000" algn="ctr" rotWithShape="0">
+                    <a:schemeClr val="bg2"/>
+                  </a:outerShdw>
+                </a:effectLst>
+              </a14:hiddenEffects>
+            </a:ext>
+          </a:extLst>
+        </p:spPr>
+        <p:txBody>
+          <a:bodyPr vert="horz" wrap="none" lIns="0" tIns="0" rIns="0" bIns="0" numCol="1" anchor="ctr" anchorCtr="0" compatLnSpc="1">
+            <a:prstTxWarp prst="textNoShape">
+              <a:avLst/>
+            </a:prstTxWarp>
+            <a:spAutoFit/>
+          </a:bodyPr>
           <a:lstStyle/>
           <a:p>
-            <a:endParaRPr lang="en-US"/>
+            <a:pPr marL="0" marR="0" lvl="0" indent="0" algn="l" defTabSz="914400" rtl="0" eaLnBrk="0" fontAlgn="base" latinLnBrk="0" hangingPunct="0">
+              <a:lnSpc>
+                <a:spcPct val="100000"/>
+              </a:lnSpc>
+              <a:spcBef>
+                <a:spcPct val="0"/>
+              </a:spcBef>
+              <a:spcAft>
+                <a:spcPct val="0"/>
+              </a:spcAft>
+              <a:buClrTx/>
+              <a:buSzTx/>
+              <a:buFontTx/>
+              <a:buNone/>
+              <a:tabLst/>
+            </a:pPr>
+            <a:endParaRPr kumimoji="0" lang="en-US" altLang="en-US" sz="1800" b="0" i="0" u="none" strike="noStrike" cap="none" normalizeH="0" baseline="0" dirty="0">
+              <a:ln>
+                <a:noFill/>
+              </a:ln>
+              <a:solidFill>
+                <a:schemeClr val="tx1"/>
+              </a:solidFill>
+              <a:effectLst/>
+            </a:endParaRPr>
           </a:p>
         </p:txBody>
       </p:sp>
     </p:spTree>
     <p:extLst>
       <p:ext uri="{BB962C8B-B14F-4D97-AF65-F5344CB8AC3E}">
-        <p14:creationId xmlns:p14="http://schemas.microsoft.com/office/powerpoint/2010/main" val="4107836641"/>
+        <p14:creationId xmlns:p14="http://schemas.microsoft.com/office/powerpoint/2010/main" val="653150269"/>
+      </p:ext>
+    </p:extLst>
+  </p:cSld>
+  <p:clrMapOvr>
+    <a:masterClrMapping/>
+  </p:clrMapOvr>
+</p:sld>
+</file>
+
+<file path=ppt/slides/slide7.xml><?xml version="1.0" encoding="utf-8"?>
+<p:sld xmlns:a="http://schemas.openxmlformats.org/drawingml/2006/main" xmlns:r="http://schemas.openxmlformats.org/officeDocument/2006/relationships" xmlns:p="http://schemas.openxmlformats.org/presentationml/2006/main">
+  <p:cSld>
+    <p:spTree>
+      <p:nvGrpSpPr>
+        <p:cNvPr id="1" name=""/>
+        <p:cNvGrpSpPr/>
+        <p:nvPr/>
+      </p:nvGrpSpPr>
+      <p:grpSpPr>
+        <a:xfrm>
+          <a:off x="0" y="0"/>
+          <a:ext cx="0" cy="0"/>
+          <a:chOff x="0" y="0"/>
+          <a:chExt cx="0" cy="0"/>
+        </a:xfrm>
+      </p:grpSpPr>
+      <p:sp>
+        <p:nvSpPr>
+          <p:cNvPr id="2" name="Title 1">
+            <a:extLst>
+              <a:ext uri="{FF2B5EF4-FFF2-40B4-BE49-F238E27FC236}">
+                <a16:creationId xmlns:a16="http://schemas.microsoft.com/office/drawing/2014/main" id="{185C69DF-2536-4810-844A-10F451B5221B}"/>
+              </a:ext>
+            </a:extLst>
+          </p:cNvPr>
+          <p:cNvSpPr>
+            <a:spLocks noGrp="1"/>
+          </p:cNvSpPr>
+          <p:nvPr>
+            <p:ph type="title"/>
+          </p:nvPr>
+        </p:nvSpPr>
+        <p:spPr>
+          <a:xfrm>
+            <a:off x="1173919" y="685800"/>
+            <a:ext cx="10018713" cy="1752599"/>
+          </a:xfrm>
+        </p:spPr>
+        <p:txBody>
+          <a:bodyPr>
+            <a:normAutofit fontScale="90000"/>
+          </a:bodyPr>
+          <a:lstStyle/>
+          <a:p>
+            <a:r>
+              <a:rPr lang="en-US" dirty="0"/>
+              <a:t>Temperature vs Assault</a:t>
+            </a:r>
+            <a:br>
+              <a:rPr lang="en-US" dirty="0"/>
+            </a:br>
+            <a:r>
+              <a:rPr lang="en-US" altLang="en-US" dirty="0">
+                <a:ln>
+                  <a:noFill/>
+                </a:ln>
+                <a:solidFill>
+                  <a:srgbClr val="000000"/>
+                </a:solidFill>
+                <a:ea typeface="Courier New" panose="02070309020205020404" pitchFamily="49" charset="0"/>
+              </a:rPr>
+              <a:t>The </a:t>
+            </a:r>
+            <a:r>
+              <a:rPr lang="en-US" altLang="en-US" dirty="0" err="1">
+                <a:ln>
+                  <a:noFill/>
+                </a:ln>
+                <a:solidFill>
+                  <a:srgbClr val="000000"/>
+                </a:solidFill>
+                <a:ea typeface="Courier New" panose="02070309020205020404" pitchFamily="49" charset="0"/>
+              </a:rPr>
+              <a:t>r-value</a:t>
+            </a:r>
+            <a:r>
+              <a:rPr lang="en-US" altLang="en-US" dirty="0">
+                <a:ln>
+                  <a:noFill/>
+                </a:ln>
+                <a:solidFill>
+                  <a:srgbClr val="000000"/>
+                </a:solidFill>
+                <a:ea typeface="Courier New" panose="02070309020205020404" pitchFamily="49" charset="0"/>
+              </a:rPr>
+              <a:t> is: 0.06974819074317856</a:t>
+            </a:r>
+            <a:br>
+              <a:rPr lang="en-US" altLang="en-US" sz="7200" dirty="0">
+                <a:ln>
+                  <a:noFill/>
+                </a:ln>
+              </a:rPr>
+            </a:br>
+            <a:endParaRPr lang="en-US" dirty="0"/>
+          </a:p>
+        </p:txBody>
+      </p:sp>
+      <p:pic>
+        <p:nvPicPr>
+          <p:cNvPr id="8" name="Content Placeholder 7">
+            <a:extLst>
+              <a:ext uri="{FF2B5EF4-FFF2-40B4-BE49-F238E27FC236}">
+                <a16:creationId xmlns:a16="http://schemas.microsoft.com/office/drawing/2014/main" id="{2417567E-36D4-4C44-A2BC-9B72F6069E6C}"/>
+              </a:ext>
+            </a:extLst>
+          </p:cNvPr>
+          <p:cNvPicPr>
+            <a:picLocks noGrp="1" noChangeAspect="1"/>
+          </p:cNvPicPr>
+          <p:nvPr>
+            <p:ph sz="half" idx="2"/>
+          </p:nvPr>
+        </p:nvPicPr>
+        <p:blipFill>
+          <a:blip r:embed="rId2">
+            <a:extLst>
+              <a:ext uri="{28A0092B-C50C-407E-A947-70E740481C1C}">
+                <a14:useLocalDpi xmlns:a14="http://schemas.microsoft.com/office/drawing/2010/main" val="0"/>
+              </a:ext>
+            </a:extLst>
+          </a:blip>
+          <a:srcRect/>
+          <a:stretch/>
+        </p:blipFill>
+        <p:spPr>
+          <a:xfrm>
+            <a:off x="174407" y="2105026"/>
+            <a:ext cx="8285184" cy="4142591"/>
+          </a:xfrm>
+        </p:spPr>
+      </p:pic>
+      <p:pic>
+        <p:nvPicPr>
+          <p:cNvPr id="10" name="Content Placeholder 9">
+            <a:extLst>
+              <a:ext uri="{FF2B5EF4-FFF2-40B4-BE49-F238E27FC236}">
+                <a16:creationId xmlns:a16="http://schemas.microsoft.com/office/drawing/2014/main" id="{09C1AFA6-92AB-4B69-8CAD-4A15DBD9C30E}"/>
+              </a:ext>
+            </a:extLst>
+          </p:cNvPr>
+          <p:cNvPicPr>
+            <a:picLocks noGrp="1" noChangeAspect="1"/>
+          </p:cNvPicPr>
+          <p:nvPr>
+            <p:ph sz="quarter" idx="4"/>
+          </p:nvPr>
+        </p:nvPicPr>
+        <p:blipFill>
+          <a:blip r:embed="rId2">
+            <a:extLst>
+              <a:ext uri="{28A0092B-C50C-407E-A947-70E740481C1C}">
+                <a14:useLocalDpi xmlns:a14="http://schemas.microsoft.com/office/drawing/2010/main" val="0"/>
+              </a:ext>
+            </a:extLst>
+          </a:blip>
+          <a:srcRect/>
+          <a:stretch/>
+        </p:blipFill>
+        <p:spPr>
+          <a:xfrm>
+            <a:off x="7704583" y="3315818"/>
+            <a:ext cx="4409120" cy="2204559"/>
+          </a:xfrm>
+        </p:spPr>
+      </p:pic>
+      <p:sp>
+        <p:nvSpPr>
+          <p:cNvPr id="16" name="Rectangle 6">
+            <a:extLst>
+              <a:ext uri="{FF2B5EF4-FFF2-40B4-BE49-F238E27FC236}">
+                <a16:creationId xmlns:a16="http://schemas.microsoft.com/office/drawing/2014/main" id="{EA7DF94A-003C-4FA6-B07A-9353859590B0}"/>
+              </a:ext>
+            </a:extLst>
+          </p:cNvPr>
+          <p:cNvSpPr>
+            <a:spLocks noChangeArrowheads="1"/>
+          </p:cNvSpPr>
+          <p:nvPr/>
+        </p:nvSpPr>
+        <p:spPr bwMode="auto">
+          <a:xfrm>
+            <a:off x="318783" y="1737927"/>
+            <a:ext cx="65" cy="276999"/>
+          </a:xfrm>
+          <a:prstGeom prst="rect">
+            <a:avLst/>
+          </a:prstGeom>
+          <a:solidFill>
+            <a:srgbClr val="FFFFFF"/>
+          </a:solidFill>
+          <a:ln>
+            <a:noFill/>
+          </a:ln>
+          <a:effectLst/>
+          <a:extLst>
+            <a:ext uri="{91240B29-F687-4F45-9708-019B960494DF}">
+              <a14:hiddenLine xmlns:a14="http://schemas.microsoft.com/office/drawing/2010/main" w="9525">
+                <a:solidFill>
+                  <a:schemeClr val="tx1"/>
+                </a:solidFill>
+                <a:miter lim="800000"/>
+                <a:headEnd/>
+                <a:tailEnd/>
+              </a14:hiddenLine>
+            </a:ext>
+            <a:ext uri="{AF507438-7753-43E0-B8FC-AC1667EBCBE1}">
+              <a14:hiddenEffects xmlns:a14="http://schemas.microsoft.com/office/drawing/2010/main">
+                <a:effectLst>
+                  <a:outerShdw dist="35921" dir="2700000" algn="ctr" rotWithShape="0">
+                    <a:schemeClr val="bg2"/>
+                  </a:outerShdw>
+                </a:effectLst>
+              </a14:hiddenEffects>
+            </a:ext>
+          </a:extLst>
+        </p:spPr>
+        <p:txBody>
+          <a:bodyPr vert="horz" wrap="none" lIns="0" tIns="0" rIns="0" bIns="0" numCol="1" anchor="ctr" anchorCtr="0" compatLnSpc="1">
+            <a:prstTxWarp prst="textNoShape">
+              <a:avLst/>
+            </a:prstTxWarp>
+            <a:spAutoFit/>
+          </a:bodyPr>
+          <a:lstStyle/>
+          <a:p>
+            <a:pPr marL="0" marR="0" lvl="0" indent="0" algn="l" defTabSz="914400" rtl="0" eaLnBrk="0" fontAlgn="base" latinLnBrk="0" hangingPunct="0">
+              <a:lnSpc>
+                <a:spcPct val="100000"/>
+              </a:lnSpc>
+              <a:spcBef>
+                <a:spcPct val="0"/>
+              </a:spcBef>
+              <a:spcAft>
+                <a:spcPct val="0"/>
+              </a:spcAft>
+              <a:buClrTx/>
+              <a:buSzTx/>
+              <a:buFontTx/>
+              <a:buNone/>
+              <a:tabLst/>
+            </a:pPr>
+            <a:endParaRPr kumimoji="0" lang="en-US" altLang="en-US" sz="1800" b="0" i="0" u="none" strike="noStrike" cap="none" normalizeH="0" baseline="0" dirty="0">
+              <a:ln>
+                <a:noFill/>
+              </a:ln>
+              <a:solidFill>
+                <a:schemeClr val="tx1"/>
+              </a:solidFill>
+              <a:effectLst/>
+            </a:endParaRPr>
+          </a:p>
+        </p:txBody>
+      </p:sp>
+    </p:spTree>
+    <p:extLst>
+      <p:ext uri="{BB962C8B-B14F-4D97-AF65-F5344CB8AC3E}">
+        <p14:creationId xmlns:p14="http://schemas.microsoft.com/office/powerpoint/2010/main" val="3103490950"/>
+      </p:ext>
+    </p:extLst>
+  </p:cSld>
+  <p:clrMapOvr>
+    <a:masterClrMapping/>
+  </p:clrMapOvr>
+</p:sld>
+</file>
+
+<file path=ppt/slides/slide8.xml><?xml version="1.0" encoding="utf-8"?>
+<p:sld xmlns:a="http://schemas.openxmlformats.org/drawingml/2006/main" xmlns:r="http://schemas.openxmlformats.org/officeDocument/2006/relationships" xmlns:p="http://schemas.openxmlformats.org/presentationml/2006/main">
+  <p:cSld>
+    <p:spTree>
+      <p:nvGrpSpPr>
+        <p:cNvPr id="1" name=""/>
+        <p:cNvGrpSpPr/>
+        <p:nvPr/>
+      </p:nvGrpSpPr>
+      <p:grpSpPr>
+        <a:xfrm>
+          <a:off x="0" y="0"/>
+          <a:ext cx="0" cy="0"/>
+          <a:chOff x="0" y="0"/>
+          <a:chExt cx="0" cy="0"/>
+        </a:xfrm>
+      </p:grpSpPr>
+      <p:sp>
+        <p:nvSpPr>
+          <p:cNvPr id="2" name="Title 1">
+            <a:extLst>
+              <a:ext uri="{FF2B5EF4-FFF2-40B4-BE49-F238E27FC236}">
+                <a16:creationId xmlns:a16="http://schemas.microsoft.com/office/drawing/2014/main" id="{185C69DF-2536-4810-844A-10F451B5221B}"/>
+              </a:ext>
+            </a:extLst>
+          </p:cNvPr>
+          <p:cNvSpPr>
+            <a:spLocks noGrp="1"/>
+          </p:cNvSpPr>
+          <p:nvPr>
+            <p:ph type="title"/>
+          </p:nvPr>
+        </p:nvSpPr>
+        <p:spPr>
+          <a:xfrm>
+            <a:off x="1173919" y="685800"/>
+            <a:ext cx="10018713" cy="1752599"/>
+          </a:xfrm>
+        </p:spPr>
+        <p:txBody>
+          <a:bodyPr>
+            <a:normAutofit fontScale="90000"/>
+          </a:bodyPr>
+          <a:lstStyle/>
+          <a:p>
+            <a:r>
+              <a:rPr lang="en-US" dirty="0"/>
+              <a:t>Temperature vs Assault</a:t>
+            </a:r>
+            <a:br>
+              <a:rPr lang="en-US" dirty="0"/>
+            </a:br>
+            <a:r>
+              <a:rPr lang="en-US" altLang="en-US" dirty="0">
+                <a:ln>
+                  <a:noFill/>
+                </a:ln>
+                <a:solidFill>
+                  <a:srgbClr val="000000"/>
+                </a:solidFill>
+                <a:ea typeface="Courier New" panose="02070309020205020404" pitchFamily="49" charset="0"/>
+              </a:rPr>
+              <a:t>The </a:t>
+            </a:r>
+            <a:r>
+              <a:rPr lang="en-US" altLang="en-US" dirty="0" err="1">
+                <a:ln>
+                  <a:noFill/>
+                </a:ln>
+                <a:solidFill>
+                  <a:srgbClr val="000000"/>
+                </a:solidFill>
+                <a:ea typeface="Courier New" panose="02070309020205020404" pitchFamily="49" charset="0"/>
+              </a:rPr>
+              <a:t>r-value</a:t>
+            </a:r>
+            <a:r>
+              <a:rPr lang="en-US" altLang="en-US" dirty="0">
+                <a:ln>
+                  <a:noFill/>
+                </a:ln>
+                <a:solidFill>
+                  <a:srgbClr val="000000"/>
+                </a:solidFill>
+                <a:ea typeface="Courier New" panose="02070309020205020404" pitchFamily="49" charset="0"/>
+              </a:rPr>
+              <a:t> is: 0.30462164827108484</a:t>
+            </a:r>
+            <a:br>
+              <a:rPr lang="en-US" altLang="en-US" sz="7200" dirty="0">
+                <a:ln>
+                  <a:noFill/>
+                </a:ln>
+              </a:rPr>
+            </a:br>
+            <a:endParaRPr lang="en-US" dirty="0"/>
+          </a:p>
+        </p:txBody>
+      </p:sp>
+      <p:pic>
+        <p:nvPicPr>
+          <p:cNvPr id="8" name="Content Placeholder 7">
+            <a:extLst>
+              <a:ext uri="{FF2B5EF4-FFF2-40B4-BE49-F238E27FC236}">
+                <a16:creationId xmlns:a16="http://schemas.microsoft.com/office/drawing/2014/main" id="{2417567E-36D4-4C44-A2BC-9B72F6069E6C}"/>
+              </a:ext>
+            </a:extLst>
+          </p:cNvPr>
+          <p:cNvPicPr>
+            <a:picLocks noGrp="1" noChangeAspect="1"/>
+          </p:cNvPicPr>
+          <p:nvPr>
+            <p:ph sz="half" idx="2"/>
+          </p:nvPr>
+        </p:nvPicPr>
+        <p:blipFill>
+          <a:blip r:embed="rId2">
+            <a:extLst>
+              <a:ext uri="{28A0092B-C50C-407E-A947-70E740481C1C}">
+                <a14:useLocalDpi xmlns:a14="http://schemas.microsoft.com/office/drawing/2010/main" val="0"/>
+              </a:ext>
+            </a:extLst>
+          </a:blip>
+          <a:srcRect/>
+          <a:stretch/>
+        </p:blipFill>
+        <p:spPr>
+          <a:xfrm>
+            <a:off x="174407" y="2105026"/>
+            <a:ext cx="8285184" cy="4142591"/>
+          </a:xfrm>
+        </p:spPr>
+      </p:pic>
+      <p:pic>
+        <p:nvPicPr>
+          <p:cNvPr id="10" name="Content Placeholder 9">
+            <a:extLst>
+              <a:ext uri="{FF2B5EF4-FFF2-40B4-BE49-F238E27FC236}">
+                <a16:creationId xmlns:a16="http://schemas.microsoft.com/office/drawing/2014/main" id="{09C1AFA6-92AB-4B69-8CAD-4A15DBD9C30E}"/>
+              </a:ext>
+            </a:extLst>
+          </p:cNvPr>
+          <p:cNvPicPr>
+            <a:picLocks noGrp="1" noChangeAspect="1"/>
+          </p:cNvPicPr>
+          <p:nvPr>
+            <p:ph sz="quarter" idx="4"/>
+          </p:nvPr>
+        </p:nvPicPr>
+        <p:blipFill>
+          <a:blip r:embed="rId2">
+            <a:extLst>
+              <a:ext uri="{28A0092B-C50C-407E-A947-70E740481C1C}">
+                <a14:useLocalDpi xmlns:a14="http://schemas.microsoft.com/office/drawing/2010/main" val="0"/>
+              </a:ext>
+            </a:extLst>
+          </a:blip>
+          <a:srcRect/>
+          <a:stretch/>
+        </p:blipFill>
+        <p:spPr>
+          <a:xfrm>
+            <a:off x="7704583" y="3315818"/>
+            <a:ext cx="4409120" cy="2204559"/>
+          </a:xfrm>
+        </p:spPr>
+      </p:pic>
+      <p:sp>
+        <p:nvSpPr>
+          <p:cNvPr id="16" name="Rectangle 6">
+            <a:extLst>
+              <a:ext uri="{FF2B5EF4-FFF2-40B4-BE49-F238E27FC236}">
+                <a16:creationId xmlns:a16="http://schemas.microsoft.com/office/drawing/2014/main" id="{EA7DF94A-003C-4FA6-B07A-9353859590B0}"/>
+              </a:ext>
+            </a:extLst>
+          </p:cNvPr>
+          <p:cNvSpPr>
+            <a:spLocks noChangeArrowheads="1"/>
+          </p:cNvSpPr>
+          <p:nvPr/>
+        </p:nvSpPr>
+        <p:spPr bwMode="auto">
+          <a:xfrm>
+            <a:off x="318783" y="1737927"/>
+            <a:ext cx="65" cy="276999"/>
+          </a:xfrm>
+          <a:prstGeom prst="rect">
+            <a:avLst/>
+          </a:prstGeom>
+          <a:solidFill>
+            <a:srgbClr val="FFFFFF"/>
+          </a:solidFill>
+          <a:ln>
+            <a:noFill/>
+          </a:ln>
+          <a:effectLst/>
+          <a:extLst>
+            <a:ext uri="{91240B29-F687-4F45-9708-019B960494DF}">
+              <a14:hiddenLine xmlns:a14="http://schemas.microsoft.com/office/drawing/2010/main" w="9525">
+                <a:solidFill>
+                  <a:schemeClr val="tx1"/>
+                </a:solidFill>
+                <a:miter lim="800000"/>
+                <a:headEnd/>
+                <a:tailEnd/>
+              </a14:hiddenLine>
+            </a:ext>
+            <a:ext uri="{AF507438-7753-43E0-B8FC-AC1667EBCBE1}">
+              <a14:hiddenEffects xmlns:a14="http://schemas.microsoft.com/office/drawing/2010/main">
+                <a:effectLst>
+                  <a:outerShdw dist="35921" dir="2700000" algn="ctr" rotWithShape="0">
+                    <a:schemeClr val="bg2"/>
+                  </a:outerShdw>
+                </a:effectLst>
+              </a14:hiddenEffects>
+            </a:ext>
+          </a:extLst>
+        </p:spPr>
+        <p:txBody>
+          <a:bodyPr vert="horz" wrap="none" lIns="0" tIns="0" rIns="0" bIns="0" numCol="1" anchor="ctr" anchorCtr="0" compatLnSpc="1">
+            <a:prstTxWarp prst="textNoShape">
+              <a:avLst/>
+            </a:prstTxWarp>
+            <a:spAutoFit/>
+          </a:bodyPr>
+          <a:lstStyle/>
+          <a:p>
+            <a:pPr marL="0" marR="0" lvl="0" indent="0" algn="l" defTabSz="914400" rtl="0" eaLnBrk="0" fontAlgn="base" latinLnBrk="0" hangingPunct="0">
+              <a:lnSpc>
+                <a:spcPct val="100000"/>
+              </a:lnSpc>
+              <a:spcBef>
+                <a:spcPct val="0"/>
+              </a:spcBef>
+              <a:spcAft>
+                <a:spcPct val="0"/>
+              </a:spcAft>
+              <a:buClrTx/>
+              <a:buSzTx/>
+              <a:buFontTx/>
+              <a:buNone/>
+              <a:tabLst/>
+            </a:pPr>
+            <a:endParaRPr kumimoji="0" lang="en-US" altLang="en-US" sz="1800" b="0" i="0" u="none" strike="noStrike" cap="none" normalizeH="0" baseline="0" dirty="0">
+              <a:ln>
+                <a:noFill/>
+              </a:ln>
+              <a:solidFill>
+                <a:schemeClr val="tx1"/>
+              </a:solidFill>
+              <a:effectLst/>
+            </a:endParaRPr>
+          </a:p>
+        </p:txBody>
+      </p:sp>
+    </p:spTree>
+    <p:extLst>
+      <p:ext uri="{BB962C8B-B14F-4D97-AF65-F5344CB8AC3E}">
+        <p14:creationId xmlns:p14="http://schemas.microsoft.com/office/powerpoint/2010/main" val="3589967575"/>
       </p:ext>
     </p:extLst>
   </p:cSld>
